--- a/20141029-concurrent_data_structures_with_rcu.pptx
+++ b/20141029-concurrent_data_structures_with_rcu.pptx
@@ -218,7 +218,7 @@
           <a:p>
             <a:fld id="{740616EA-7DD0-4941-A75A-3667382BAFA7}" type="datetimeFigureOut">
               <a:rPr lang="en-AU" smtClean="0"/>
-              <a:t>27/10/2014</a:t>
+              <a:t>6/06/2016</a:t>
             </a:fld>
             <a:endParaRPr lang="en-AU"/>
           </a:p>
@@ -384,7 +384,7 @@
           <a:p>
             <a:fld id="{587278A0-4A02-4D4B-A8AB-1E1752F8063F}" type="datetimeFigureOut">
               <a:rPr lang="en-AU" smtClean="0"/>
-              <a:t>27/10/2014</a:t>
+              <a:t>6/06/2016</a:t>
             </a:fld>
             <a:endParaRPr lang="en-AU"/>
           </a:p>
@@ -1464,7 +1464,7 @@
           <a:p>
             <a:fld id="{0EAB0777-4C60-462E-A92C-CDAFD498799C}" type="datetimeFigureOut">
               <a:rPr lang="en-US" smtClean="0"/>
-              <a:t>10/27/2014</a:t>
+              <a:t>6/6/2016</a:t>
             </a:fld>
             <a:endParaRPr lang="en-US"/>
           </a:p>
@@ -1633,7 +1633,7 @@
           <a:p>
             <a:fld id="{0EAB0777-4C60-462E-A92C-CDAFD498799C}" type="datetimeFigureOut">
               <a:rPr lang="en-US" smtClean="0"/>
-              <a:t>10/27/2014</a:t>
+              <a:t>6/6/2016</a:t>
             </a:fld>
             <a:endParaRPr lang="en-US"/>
           </a:p>
@@ -1879,7 +1879,7 @@
           <a:p>
             <a:fld id="{0EAB0777-4C60-462E-A92C-CDAFD498799C}" type="datetimeFigureOut">
               <a:rPr lang="en-US" smtClean="0"/>
-              <a:t>10/27/2014</a:t>
+              <a:t>6/6/2016</a:t>
             </a:fld>
             <a:endParaRPr lang="en-US"/>
           </a:p>
@@ -2147,7 +2147,7 @@
           <a:p>
             <a:fld id="{0EAB0777-4C60-462E-A92C-CDAFD498799C}" type="datetimeFigureOut">
               <a:rPr lang="en-US" smtClean="0"/>
-              <a:t>10/27/2014</a:t>
+              <a:t>6/6/2016</a:t>
             </a:fld>
             <a:endParaRPr lang="en-US"/>
           </a:p>
@@ -2529,7 +2529,7 @@
           <a:p>
             <a:fld id="{0EAB0777-4C60-462E-A92C-CDAFD498799C}" type="datetimeFigureOut">
               <a:rPr lang="en-US" smtClean="0"/>
-              <a:t>10/27/2014</a:t>
+              <a:t>6/6/2016</a:t>
             </a:fld>
             <a:endParaRPr lang="en-US"/>
           </a:p>
@@ -2683,7 +2683,7 @@
           <a:p>
             <a:fld id="{0EAB0777-4C60-462E-A92C-CDAFD498799C}" type="datetimeFigureOut">
               <a:rPr lang="en-US" smtClean="0"/>
-              <a:t>10/27/2014</a:t>
+              <a:t>6/6/2016</a:t>
             </a:fld>
             <a:endParaRPr lang="en-US"/>
           </a:p>
@@ -2777,7 +2777,7 @@
           <a:p>
             <a:fld id="{0EAB0777-4C60-462E-A92C-CDAFD498799C}" type="datetimeFigureOut">
               <a:rPr lang="en-US" smtClean="0"/>
-              <a:t>10/27/2014</a:t>
+              <a:t>6/6/2016</a:t>
             </a:fld>
             <a:endParaRPr lang="en-US"/>
           </a:p>
@@ -3042,7 +3042,7 @@
           <a:p>
             <a:fld id="{0EAB0777-4C60-462E-A92C-CDAFD498799C}" type="datetimeFigureOut">
               <a:rPr lang="en-US" smtClean="0"/>
-              <a:t>10/27/2014</a:t>
+              <a:t>6/6/2016</a:t>
             </a:fld>
             <a:endParaRPr lang="en-US"/>
           </a:p>
@@ -3532,7 +3532,7 @@
           <a:p>
             <a:fld id="{0EAB0777-4C60-462E-A92C-CDAFD498799C}" type="datetimeFigureOut">
               <a:rPr lang="en-US" smtClean="0"/>
-              <a:t>10/27/2014</a:t>
+              <a:t>6/6/2016</a:t>
             </a:fld>
             <a:endParaRPr lang="en-US"/>
           </a:p>
@@ -4008,7 +4008,7 @@
           <a:p>
             <a:fld id="{0EAB0777-4C60-462E-A92C-CDAFD498799C}" type="datetimeFigureOut">
               <a:rPr lang="en-US" smtClean="0"/>
-              <a:t>10/27/2014</a:t>
+              <a:t>6/6/2016</a:t>
             </a:fld>
             <a:endParaRPr lang="en-US"/>
           </a:p>
@@ -4187,7 +4187,7 @@
           <a:p>
             <a:fld id="{0EAB0777-4C60-462E-A92C-CDAFD498799C}" type="datetimeFigureOut">
               <a:rPr lang="en-US" smtClean="0"/>
-              <a:t>10/27/2014</a:t>
+              <a:t>6/6/2016</a:t>
             </a:fld>
             <a:endParaRPr lang="en-US"/>
           </a:p>
@@ -6830,7 +6830,7 @@
           <a:p>
             <a:fld id="{0EAB0777-4C60-462E-A92C-CDAFD498799C}" type="datetimeFigureOut">
               <a:rPr lang="en-US" smtClean="0"/>
-              <a:t>10/27/2014</a:t>
+              <a:t>6/6/2016</a:t>
             </a:fld>
             <a:endParaRPr lang="en-US"/>
           </a:p>
@@ -7931,7 +7931,6 @@
               <a:rPr lang="en-US" dirty="0" smtClean="0"/>
               <a:t>Reader 2 has moved to the final node</a:t>
             </a:r>
-            <a:endParaRPr lang="en-US" dirty="0" smtClean="0"/>
           </a:p>
         </p:txBody>
       </p:sp>
@@ -8504,11 +8503,7 @@
             <a:pPr lvl="1"/>
             <a:r>
               <a:rPr lang="en-US" dirty="0" smtClean="0"/>
-              <a:t>At the end, it is guaranteed that no reade</a:t>
-            </a:r>
-            <a:r>
-              <a:rPr lang="en-US" dirty="0" smtClean="0"/>
-              <a:t>r is still holding on to a deleted node</a:t>
+              <a:t>At the end, it is guaranteed that no reader is still holding on to a deleted node</a:t>
             </a:r>
           </a:p>
           <a:p>
@@ -8565,7 +8560,6 @@
               <a:rPr lang="en-US" dirty="0" smtClean="0"/>
               <a:t>See the references for more information</a:t>
             </a:r>
-            <a:endParaRPr lang="en-US" dirty="0" smtClean="0"/>
           </a:p>
         </p:txBody>
       </p:sp>
@@ -8724,7 +8718,6 @@
               <a:rPr lang="en-US" dirty="0" smtClean="0"/>
               <a:t> – they can contain extra entries (from different hash values)</a:t>
             </a:r>
-            <a:endParaRPr lang="en-US" dirty="0" smtClean="0"/>
           </a:p>
           <a:p>
             <a:pPr lvl="1"/>
@@ -9318,7 +9311,6 @@
               <a:rPr lang="en-US" dirty="0" smtClean="0"/>
               <a:t>References</a:t>
             </a:r>
-            <a:endParaRPr lang="en-US" dirty="0" smtClean="0"/>
           </a:p>
         </p:txBody>
       </p:sp>
@@ -10326,7 +10318,6 @@
               <a:rPr lang="en-US" dirty="0" smtClean="0"/>
               <a:t>Readers cannot block writers</a:t>
             </a:r>
-            <a:endParaRPr lang="en-US" dirty="0" smtClean="0"/>
           </a:p>
           <a:p>
             <a:pPr lvl="1"/>
@@ -10514,7 +10505,6 @@
               <a:rPr lang="en-US" dirty="0" smtClean="0"/>
               <a:t>There are two readers, currently at the first node</a:t>
             </a:r>
-            <a:endParaRPr lang="en-US" dirty="0" smtClean="0"/>
           </a:p>
         </p:txBody>
       </p:sp>
@@ -10666,7 +10656,6 @@
               <a:rPr lang="en-US" dirty="0" smtClean="0"/>
               <a:t>No reader can see the new node yet</a:t>
             </a:r>
-            <a:endParaRPr lang="en-US" dirty="0" smtClean="0"/>
           </a:p>
           <a:p>
             <a:pPr lvl="1"/>
@@ -10674,7 +10663,6 @@
               <a:rPr lang="en-US" dirty="0" smtClean="0"/>
               <a:t>Meanwhile, the second reader has moved to the last node</a:t>
             </a:r>
-            <a:endParaRPr lang="en-US" dirty="0" smtClean="0"/>
           </a:p>
         </p:txBody>
       </p:sp>
@@ -10834,7 +10822,6 @@
               <a:rPr lang="en-US" dirty="0" smtClean="0"/>
               <a:t>The first reader follows the pointer to the new node (and then finally to the last node)</a:t>
             </a:r>
-            <a:endParaRPr lang="en-US" dirty="0" smtClean="0"/>
           </a:p>
         </p:txBody>
       </p:sp>
@@ -10986,7 +10973,6 @@
               <a:rPr lang="en-US" dirty="0" smtClean="0"/>
               <a:t>Don’t forget about compiler and CPU re-ordering of instructions!</a:t>
             </a:r>
-            <a:endParaRPr lang="en-US" dirty="0" smtClean="0"/>
           </a:p>
         </p:txBody>
       </p:sp>
@@ -11695,11 +11681,7 @@
           <a:p>
             <a:r>
               <a:rPr lang="en-US" dirty="0" smtClean="0"/>
-              <a:t>To allow for this, we prese</a:t>
-            </a:r>
-            <a:r>
-              <a:rPr lang="en-US" dirty="0" smtClean="0"/>
-              <a:t>rve the existing data for a grace period, to allow readers to complete</a:t>
+              <a:t>To allow for this, we preserve the existing data for a grace period, to allow readers to complete</a:t>
             </a:r>
           </a:p>
           <a:p>
@@ -11715,7 +11697,6 @@
               <a:rPr lang="en-US" dirty="0" smtClean="0"/>
               <a:t>Obviously we need something a bit more rigorous than a “timeout”</a:t>
             </a:r>
-            <a:endParaRPr lang="en-US" dirty="0" smtClean="0"/>
           </a:p>
           <a:p>
             <a:pPr lvl="1"/>
